--- a/Presentation.pptx
+++ b/Presentation.pptx
@@ -5,10 +5,10 @@
     <p:sldMasterId id="2147483720" r:id="rId4"/>
   </p:sldMasterIdLst>
   <p:notesMasterIdLst>
-    <p:notesMasterId r:id="rId25"/>
+    <p:notesMasterId r:id="rId26"/>
   </p:notesMasterIdLst>
   <p:handoutMasterIdLst>
-    <p:handoutMasterId r:id="rId26"/>
+    <p:handoutMasterId r:id="rId27"/>
   </p:handoutMasterIdLst>
   <p:sldIdLst>
     <p:sldId id="278" r:id="rId5"/>
@@ -30,7 +30,8 @@
     <p:sldId id="276" r:id="rId21"/>
     <p:sldId id="277" r:id="rId22"/>
     <p:sldId id="279" r:id="rId23"/>
-    <p:sldId id="280" r:id="rId24"/>
+    <p:sldId id="281" r:id="rId24"/>
+    <p:sldId id="280" r:id="rId25"/>
   </p:sldIdLst>
   <p:sldSz cx="12192000" cy="6858000"/>
   <p:notesSz cx="6858000" cy="9144000"/>
@@ -153,6 +154,7 @@
             <p14:sldId id="276"/>
             <p14:sldId id="277"/>
             <p14:sldId id="279"/>
+            <p14:sldId id="281"/>
             <p14:sldId id="280"/>
           </p14:sldIdLst>
         </p14:section>
@@ -8777,11 +8779,7 @@
             </a:r>
             <a:r>
               <a:rPr lang="en-US" dirty="0" err="1" smtClean="0"/>
-              <a:t>denga</a:t>
-            </a:r>
-            <a:r>
-              <a:rPr lang="en-US" dirty="0" err="1" smtClean="0"/>
-              <a:t>n</a:t>
+              <a:t>dengan</a:t>
             </a:r>
             <a:r>
               <a:rPr lang="en-US" dirty="0" smtClean="0"/>
@@ -8910,7 +8908,6 @@
               <a:rPr lang="en-US" dirty="0" smtClean="0"/>
               <a:t> 1200px)</a:t>
             </a:r>
-            <a:endParaRPr lang="en-US" dirty="0" smtClean="0"/>
           </a:p>
           <a:p>
             <a:pPr algn="just">
@@ -9331,6 +9328,146 @@
 </file>
 
 <file path=ppt/slides/slide20.xml><?xml version="1.0" encoding="utf-8"?>
+<p:sld xmlns:a="http://schemas.openxmlformats.org/drawingml/2006/main" xmlns:r="http://schemas.openxmlformats.org/officeDocument/2006/relationships" xmlns:p="http://schemas.openxmlformats.org/presentationml/2006/main">
+  <p:cSld>
+    <p:spTree>
+      <p:nvGrpSpPr>
+        <p:cNvPr id="1" name=""/>
+        <p:cNvGrpSpPr/>
+        <p:nvPr/>
+      </p:nvGrpSpPr>
+      <p:grpSpPr>
+        <a:xfrm>
+          <a:off x="0" y="0"/>
+          <a:ext cx="0" cy="0"/>
+          <a:chOff x="0" y="0"/>
+          <a:chExt cx="0" cy="0"/>
+        </a:xfrm>
+      </p:grpSpPr>
+      <p:sp>
+        <p:nvSpPr>
+          <p:cNvPr id="2" name="Title 1"/>
+          <p:cNvSpPr>
+            <a:spLocks noGrp="1"/>
+          </p:cNvSpPr>
+          <p:nvPr>
+            <p:ph type="title"/>
+          </p:nvPr>
+        </p:nvSpPr>
+        <p:spPr>
+          <a:xfrm>
+            <a:off x="1914144" y="274638"/>
+            <a:ext cx="9997440" cy="1143000"/>
+          </a:xfrm>
+        </p:spPr>
+        <p:txBody>
+          <a:bodyPr>
+            <a:normAutofit/>
+          </a:bodyPr>
+          <a:lstStyle/>
+          <a:p>
+            <a:r>
+              <a:rPr lang="en-US" dirty="0" smtClean="0"/>
+              <a:t>BOOTSTRAP (GRID)</a:t>
+            </a:r>
+            <a:endParaRPr lang="en-US" dirty="0"/>
+          </a:p>
+        </p:txBody>
+      </p:sp>
+      <p:pic>
+        <p:nvPicPr>
+          <p:cNvPr id="4" name="Picture 3"/>
+          <p:cNvPicPr>
+            <a:picLocks noChangeAspect="1"/>
+          </p:cNvPicPr>
+          <p:nvPr/>
+        </p:nvPicPr>
+        <p:blipFill>
+          <a:blip r:embed="rId2">
+            <a:extLst>
+              <a:ext uri="{28A0092B-C50C-407E-A947-70E740481C1C}">
+                <a14:useLocalDpi xmlns:a14="http://schemas.microsoft.com/office/drawing/2010/main" val="0"/>
+              </a:ext>
+            </a:extLst>
+          </a:blip>
+          <a:stretch>
+            <a:fillRect/>
+          </a:stretch>
+        </p:blipFill>
+        <p:spPr>
+          <a:xfrm>
+            <a:off x="10907630" y="5458119"/>
+            <a:ext cx="1003954" cy="1003954"/>
+          </a:xfrm>
+          <a:prstGeom prst="rect">
+            <a:avLst/>
+          </a:prstGeom>
+        </p:spPr>
+      </p:pic>
+      <p:pic>
+        <p:nvPicPr>
+          <p:cNvPr id="5" name="Google Shape;209;p23"/>
+          <p:cNvPicPr preferRelativeResize="0">
+            <a:picLocks noGrp="1"/>
+          </p:cNvPicPr>
+          <p:nvPr>
+            <p:ph idx="1"/>
+          </p:nvPr>
+        </p:nvPicPr>
+        <p:blipFill rotWithShape="1">
+          <a:blip r:embed="rId3">
+            <a:alphaModFix/>
+          </a:blip>
+          <a:srcRect/>
+          <a:stretch/>
+        </p:blipFill>
+        <p:spPr>
+          <a:xfrm>
+            <a:off x="1979626" y="1423443"/>
+            <a:ext cx="8786598" cy="4006396"/>
+          </a:xfrm>
+          <a:prstGeom prst="rect">
+            <a:avLst/>
+          </a:prstGeom>
+          <a:noFill/>
+          <a:ln>
+            <a:noFill/>
+          </a:ln>
+        </p:spPr>
+      </p:pic>
+    </p:spTree>
+    <p:extLst>
+      <p:ext uri="{BB962C8B-B14F-4D97-AF65-F5344CB8AC3E}">
+        <p14:creationId xmlns:p14="http://schemas.microsoft.com/office/powerpoint/2010/main" val="84961030"/>
+      </p:ext>
+    </p:extLst>
+  </p:cSld>
+  <p:clrMapOvr>
+    <a:masterClrMapping/>
+  </p:clrMapOvr>
+  <mc:AlternateContent xmlns:mc="http://schemas.openxmlformats.org/markup-compatibility/2006" xmlns:p14="http://schemas.microsoft.com/office/powerpoint/2010/main">
+    <mc:Choice Requires="p14">
+      <p:transition spd="med" p14:dur="700">
+        <p:fade/>
+      </p:transition>
+    </mc:Choice>
+    <mc:Fallback xmlns="">
+      <p:transition spd="med">
+        <p:fade/>
+      </p:transition>
+    </mc:Fallback>
+  </mc:AlternateContent>
+  <p:timing>
+    <p:tnLst>
+      <p:par>
+        <p:cTn id="1" dur="indefinite" restart="never" nodeType="tmRoot"/>
+      </p:par>
+    </p:tnLst>
+  </p:timing>
+</p:sld>
+</file>
+
+<file path=ppt/slides/slide21.xml><?xml version="1.0" encoding="utf-8"?>
 <p:sld xmlns:a="http://schemas.openxmlformats.org/drawingml/2006/main" xmlns:r="http://schemas.openxmlformats.org/officeDocument/2006/relationships" xmlns:p="http://schemas.openxmlformats.org/presentationml/2006/main">
   <p:cSld>
     <p:spTree>
@@ -12897,6 +13034,15 @@
 </file>
 
 <file path=customXml/item1.xml><?xml version="1.0" encoding="utf-8"?>
+<?mso-contentType ?>
+<FormTemplates xmlns="http://schemas.microsoft.com/sharepoint/v3/contenttype/forms">
+  <Display>DocumentLibraryForm</Display>
+  <Edit>DocumentLibraryForm</Edit>
+  <New>DocumentLibraryForm</New>
+</FormTemplates>
+</file>
+
+<file path=customXml/item2.xml><?xml version="1.0" encoding="utf-8"?>
 <p:properties xmlns:p="http://schemas.microsoft.com/office/2006/metadata/properties" xmlns:xsi="http://www.w3.org/2001/XMLSchema-instance" xmlns:pc="http://schemas.microsoft.com/office/infopath/2007/PartnerControls">
   <documentManagement>
     <VSO_x0020_item_x0020_id xmlns="40262f94-9f35-4ac3-9a90-690165a166b7" xsi:nil="true"/>
@@ -12905,15 +13051,6 @@
     <Template_x0020_details xmlns="40262f94-9f35-4ac3-9a90-690165a166b7" xsi:nil="true"/>
   </documentManagement>
 </p:properties>
-</file>
-
-<file path=customXml/item2.xml><?xml version="1.0" encoding="utf-8"?>
-<?mso-contentType ?>
-<FormTemplates xmlns="http://schemas.microsoft.com/sharepoint/v3/contenttype/forms">
-  <Display>DocumentLibraryForm</Display>
-  <Edit>DocumentLibraryForm</Edit>
-  <New>DocumentLibraryForm</New>
-</FormTemplates>
 </file>
 
 <file path=customXml/item3.xml><?xml version="1.0" encoding="utf-8"?>
@@ -13098,6 +13235,14 @@
 </file>
 
 <file path=customXml/itemProps1.xml><?xml version="1.0" encoding="utf-8"?>
+<ds:datastoreItem xmlns:ds="http://schemas.openxmlformats.org/officeDocument/2006/customXml" ds:itemID="{4DEB5BEE-6806-4BF1-A9A7-4B4A72C0C6EB}">
+  <ds:schemaRefs>
+    <ds:schemaRef ds:uri="http://schemas.microsoft.com/sharepoint/v3/contenttype/forms"/>
+  </ds:schemaRefs>
+</ds:datastoreItem>
+</file>
+
+<file path=customXml/itemProps2.xml><?xml version="1.0" encoding="utf-8"?>
 <ds:datastoreItem xmlns:ds="http://schemas.openxmlformats.org/officeDocument/2006/customXml" ds:itemID="{EEFED04C-AD43-4E06-AD63-36D8B5E83787}">
   <ds:schemaRefs>
     <ds:schemaRef ds:uri="http://purl.org/dc/dcmitype/"/>
@@ -13110,14 +13255,6 @@
     <ds:schemaRef ds:uri="a4f35948-e619-41b3-aa29-22878b09cfd2"/>
     <ds:schemaRef ds:uri="http://www.w3.org/XML/1998/namespace"/>
     <ds:schemaRef ds:uri="http://purl.org/dc/terms/"/>
-  </ds:schemaRefs>
-</ds:datastoreItem>
-</file>
-
-<file path=customXml/itemProps2.xml><?xml version="1.0" encoding="utf-8"?>
-<ds:datastoreItem xmlns:ds="http://schemas.openxmlformats.org/officeDocument/2006/customXml" ds:itemID="{4DEB5BEE-6806-4BF1-A9A7-4B4A72C0C6EB}">
-  <ds:schemaRefs>
-    <ds:schemaRef ds:uri="http://schemas.microsoft.com/sharepoint/v3/contenttype/forms"/>
   </ds:schemaRefs>
 </ds:datastoreItem>
 </file>
